--- a/Titanic Exercise.pptx
+++ b/Titanic Exercise.pptx
@@ -15,8 +15,10 @@
     <p:sldId id="268" r:id="rId9"/>
     <p:sldId id="263" r:id="rId10"/>
     <p:sldId id="262" r:id="rId11"/>
-    <p:sldId id="260" r:id="rId12"/>
-    <p:sldId id="266" r:id="rId13"/>
+    <p:sldId id="270" r:id="rId12"/>
+    <p:sldId id="269" r:id="rId13"/>
+    <p:sldId id="260" r:id="rId14"/>
+    <p:sldId id="266" r:id="rId15"/>
   </p:sldIdLst>
   <p:sldSz cx="9144000" cy="6858000" type="screen4x3"/>
   <p:notesSz cx="6858000" cy="9144000"/>
@@ -5962,6 +5964,193 @@
       </p:grpSpPr>
       <p:sp>
         <p:nvSpPr>
+          <p:cNvPr id="4" name="Title 3"/>
+          <p:cNvSpPr>
+            <a:spLocks noGrp="1"/>
+          </p:cNvSpPr>
+          <p:nvPr>
+            <p:ph type="title"/>
+          </p:nvPr>
+        </p:nvSpPr>
+        <p:spPr/>
+        <p:txBody>
+          <a:bodyPr/>
+          <a:lstStyle/>
+          <a:p>
+            <a:r>
+              <a:rPr lang="en-US" dirty="0" smtClean="0"/>
+              <a:t>Modeling</a:t>
+            </a:r>
+            <a:endParaRPr lang="en-US" dirty="0"/>
+          </a:p>
+        </p:txBody>
+      </p:sp>
+      <p:sp>
+        <p:nvSpPr>
+          <p:cNvPr id="5" name="Slide Number Placeholder 4"/>
+          <p:cNvSpPr>
+            <a:spLocks noGrp="1"/>
+          </p:cNvSpPr>
+          <p:nvPr>
+            <p:ph type="sldNum" sz="quarter" idx="16"/>
+          </p:nvPr>
+        </p:nvSpPr>
+        <p:spPr/>
+        <p:txBody>
+          <a:bodyPr/>
+          <a:lstStyle/>
+          <a:p>
+            <a:fld id="{571735E4-FE38-47BE-9144-11FEE72F6DC9}" type="slidenum">
+              <a:rPr lang="en-US" smtClean="0"/>
+              <a:pPr/>
+              <a:t>11</a:t>
+            </a:fld>
+            <a:endParaRPr lang="en-US" dirty="0"/>
+          </a:p>
+        </p:txBody>
+      </p:sp>
+      <p:sp>
+        <p:nvSpPr>
+          <p:cNvPr id="6" name="AutoShape 4" descr="Image result for outliers statistics examples"/>
+          <p:cNvSpPr>
+            <a:spLocks noChangeAspect="1" noChangeArrowheads="1"/>
+          </p:cNvSpPr>
+          <p:nvPr/>
+        </p:nvSpPr>
+        <p:spPr bwMode="auto">
+          <a:xfrm>
+            <a:off x="155575" y="-144463"/>
+            <a:ext cx="304800" cy="304801"/>
+          </a:xfrm>
+          <a:prstGeom prst="rect">
+            <a:avLst/>
+          </a:prstGeom>
+          <a:noFill/>
+          <a:extLst>
+            <a:ext uri="{909E8E84-426E-40DD-AFC4-6F175D3DCCD1}">
+              <a14:hiddenFill xmlns:a14="http://schemas.microsoft.com/office/drawing/2010/main">
+                <a:solidFill>
+                  <a:srgbClr val="FFFFFF"/>
+                </a:solidFill>
+              </a14:hiddenFill>
+            </a:ext>
+          </a:extLst>
+        </p:spPr>
+        <p:txBody>
+          <a:bodyPr vert="horz" wrap="square" lIns="91440" tIns="45720" rIns="91440" bIns="45720" numCol="1" anchor="t" anchorCtr="0" compatLnSpc="1">
+            <a:prstTxWarp prst="textNoShape">
+              <a:avLst/>
+            </a:prstTxWarp>
+          </a:bodyPr>
+          <a:lstStyle/>
+          <a:p>
+            <a:endParaRPr lang="en-US"/>
+          </a:p>
+        </p:txBody>
+      </p:sp>
+      <p:pic>
+        <p:nvPicPr>
+          <p:cNvPr id="6150" name="Picture 6" descr="Image result for outliers statistics examples"/>
+          <p:cNvPicPr>
+            <a:picLocks noChangeAspect="1" noChangeArrowheads="1"/>
+          </p:cNvPicPr>
+          <p:nvPr/>
+        </p:nvPicPr>
+        <p:blipFill>
+          <a:blip r:embed="rId2">
+            <a:extLst>
+              <a:ext uri="{28A0092B-C50C-407E-A947-70E740481C1C}">
+                <a14:useLocalDpi xmlns:a14="http://schemas.microsoft.com/office/drawing/2010/main" val="0"/>
+              </a:ext>
+            </a:extLst>
+          </a:blip>
+          <a:srcRect/>
+          <a:stretch>
+            <a:fillRect/>
+          </a:stretch>
+        </p:blipFill>
+        <p:spPr bwMode="auto">
+          <a:xfrm>
+            <a:off x="2133600" y="2514599"/>
+            <a:ext cx="4886325" cy="2390775"/>
+          </a:xfrm>
+          <a:prstGeom prst="rect">
+            <a:avLst/>
+          </a:prstGeom>
+          <a:noFill/>
+          <a:extLst>
+            <a:ext uri="{909E8E84-426E-40DD-AFC4-6F175D3DCCD1}">
+              <a14:hiddenFill xmlns:a14="http://schemas.microsoft.com/office/drawing/2010/main">
+                <a:solidFill>
+                  <a:srgbClr val="FFFFFF"/>
+                </a:solidFill>
+              </a14:hiddenFill>
+            </a:ext>
+          </a:extLst>
+        </p:spPr>
+      </p:pic>
+      <p:sp>
+        <p:nvSpPr>
+          <p:cNvPr id="9" name="Subtitle 2"/>
+          <p:cNvSpPr>
+            <a:spLocks noGrp="1"/>
+          </p:cNvSpPr>
+          <p:nvPr>
+            <p:ph type="subTitle" idx="13"/>
+          </p:nvPr>
+        </p:nvSpPr>
+        <p:spPr>
+          <a:xfrm>
+            <a:off x="302401" y="689656"/>
+            <a:ext cx="7657201" cy="396000"/>
+          </a:xfrm>
+        </p:spPr>
+        <p:txBody>
+          <a:bodyPr>
+            <a:normAutofit/>
+          </a:bodyPr>
+          <a:lstStyle/>
+          <a:p>
+            <a:r>
+              <a:rPr lang="en-US" sz="1600" dirty="0" smtClean="0"/>
+              <a:t>Outliers</a:t>
+            </a:r>
+            <a:endParaRPr lang="en-US" sz="1600" dirty="0"/>
+          </a:p>
+        </p:txBody>
+      </p:sp>
+    </p:spTree>
+    <p:extLst>
+      <p:ext uri="{BB962C8B-B14F-4D97-AF65-F5344CB8AC3E}">
+        <p14:creationId xmlns:p14="http://schemas.microsoft.com/office/powerpoint/2010/main" val="652443313"/>
+      </p:ext>
+    </p:extLst>
+  </p:cSld>
+  <p:clrMapOvr>
+    <a:masterClrMapping/>
+  </p:clrMapOvr>
+</p:sld>
+</file>
+
+<file path=ppt/slides/slide12.xml><?xml version="1.0" encoding="utf-8"?>
+<p:sld xmlns:a="http://schemas.openxmlformats.org/drawingml/2006/main" xmlns:r="http://schemas.openxmlformats.org/officeDocument/2006/relationships" xmlns:p="http://schemas.openxmlformats.org/presentationml/2006/main">
+  <p:cSld>
+    <p:spTree>
+      <p:nvGrpSpPr>
+        <p:cNvPr id="1" name=""/>
+        <p:cNvGrpSpPr/>
+        <p:nvPr/>
+      </p:nvGrpSpPr>
+      <p:grpSpPr>
+        <a:xfrm>
+          <a:off x="0" y="0"/>
+          <a:ext cx="0" cy="0"/>
+          <a:chOff x="0" y="0"/>
+          <a:chExt cx="0" cy="0"/>
+        </a:xfrm>
+      </p:grpSpPr>
+      <p:sp>
+        <p:nvSpPr>
           <p:cNvPr id="2" name="Content Placeholder 1"/>
           <p:cNvSpPr>
             <a:spLocks noGrp="1"/>
@@ -5970,7 +6159,12 @@
             <p:ph idx="1"/>
           </p:nvPr>
         </p:nvSpPr>
-        <p:spPr/>
+        <p:spPr>
+          <a:xfrm>
+            <a:off x="2362200" y="2514600"/>
+            <a:ext cx="5335936" cy="2151062"/>
+          </a:xfrm>
+        </p:spPr>
         <p:txBody>
           <a:bodyPr>
             <a:normAutofit/>
@@ -5978,62 +6172,30 @@
           <a:lstStyle/>
           <a:p>
             <a:r>
-              <a:rPr lang="en-US" sz="1400" dirty="0" smtClean="0"/>
-              <a:t>Many </a:t>
-            </a:r>
-            <a:r>
-              <a:rPr lang="en-US" sz="1400" dirty="0" err="1" smtClean="0"/>
-              <a:t>Cheatsheets</a:t>
-            </a:r>
-            <a:r>
-              <a:rPr lang="en-US" sz="1400" dirty="0"/>
-              <a:t/>
-            </a:r>
-            <a:br>
-              <a:rPr lang="en-US" sz="1400" dirty="0"/>
-            </a:br>
-            <a:r>
-              <a:rPr lang="en-US" sz="1400" dirty="0">
-                <a:hlinkClick r:id="rId2"/>
-              </a:rPr>
-              <a:t>https://www.rstudio.com/resources/cheatsheets</a:t>
-            </a:r>
-            <a:r>
-              <a:rPr lang="en-US" sz="1400" dirty="0" smtClean="0">
-                <a:hlinkClick r:id="rId2"/>
-              </a:rPr>
-              <a:t>/</a:t>
-            </a:r>
-            <a:endParaRPr lang="en-US" sz="1400" dirty="0" smtClean="0"/>
-          </a:p>
-          <a:p>
-            <a:r>
-              <a:rPr lang="en-US" sz="1400" dirty="0" smtClean="0"/>
-              <a:t>More about Shiny (gallery, tutorials, articles, …)</a:t>
-            </a:r>
-            <a:r>
-              <a:rPr lang="en-US" sz="1400" dirty="0"/>
-              <a:t/>
-            </a:r>
-            <a:br>
-              <a:rPr lang="en-US" sz="1400" dirty="0"/>
-            </a:br>
-            <a:r>
-              <a:rPr lang="en-US" sz="1400" dirty="0">
-                <a:hlinkClick r:id="rId3"/>
-              </a:rPr>
-              <a:t>https://shiny.rstudio.com</a:t>
-            </a:r>
-            <a:r>
-              <a:rPr lang="en-US" sz="1400" dirty="0" smtClean="0">
-                <a:hlinkClick r:id="rId3"/>
-              </a:rPr>
-              <a:t>/</a:t>
-            </a:r>
-            <a:endParaRPr lang="en-US" sz="1400" dirty="0" smtClean="0"/>
-          </a:p>
-          <a:p>
-            <a:endParaRPr lang="en-US" sz="1400" dirty="0" smtClean="0"/>
+              <a:rPr lang="en-US" sz="1600" dirty="0" smtClean="0"/>
+              <a:t>Training vs. Validation</a:t>
+            </a:r>
+          </a:p>
+          <a:p>
+            <a:endParaRPr lang="en-US" sz="1600" dirty="0" smtClean="0"/>
+          </a:p>
+          <a:p>
+            <a:r>
+              <a:rPr lang="en-US" sz="1600" dirty="0" smtClean="0"/>
+              <a:t>Checking of missing values and its imputation</a:t>
+            </a:r>
+          </a:p>
+          <a:p>
+            <a:endParaRPr lang="en-US" sz="1600" dirty="0" smtClean="0"/>
+          </a:p>
+          <a:p>
+            <a:r>
+              <a:rPr lang="en-US" sz="1600" dirty="0" smtClean="0"/>
+              <a:t>Identifying outliers and capping them</a:t>
+            </a:r>
+          </a:p>
+          <a:p>
+            <a:endParaRPr lang="en-US" sz="1600" dirty="0"/>
           </a:p>
         </p:txBody>
       </p:sp>
@@ -6049,10 +6211,16 @@
         </p:nvSpPr>
         <p:spPr/>
         <p:txBody>
-          <a:bodyPr/>
+          <a:bodyPr>
+            <a:normAutofit/>
+          </a:bodyPr>
           <a:lstStyle/>
           <a:p>
-            <a:endParaRPr lang="en-US"/>
+            <a:r>
+              <a:rPr lang="en-US" sz="1600" dirty="0" smtClean="0"/>
+              <a:t>What have you learnt today?</a:t>
+            </a:r>
+            <a:endParaRPr lang="en-US" sz="1600" dirty="0"/>
           </a:p>
         </p:txBody>
       </p:sp>
@@ -6073,7 +6241,7 @@
           <a:p>
             <a:r>
               <a:rPr lang="en-US" dirty="0" smtClean="0"/>
-              <a:t>Materials</a:t>
+              <a:t>Summary</a:t>
             </a:r>
             <a:endParaRPr lang="en-US" dirty="0"/>
           </a:p>
@@ -6097,7 +6265,226 @@
             <a:fld id="{571735E4-FE38-47BE-9144-11FEE72F6DC9}" type="slidenum">
               <a:rPr lang="en-US" smtClean="0"/>
               <a:pPr/>
-              <a:t>11</a:t>
+              <a:t>12</a:t>
+            </a:fld>
+            <a:endParaRPr lang="en-US" dirty="0"/>
+          </a:p>
+        </p:txBody>
+      </p:sp>
+    </p:spTree>
+    <p:extLst>
+      <p:ext uri="{BB962C8B-B14F-4D97-AF65-F5344CB8AC3E}">
+        <p14:creationId xmlns:p14="http://schemas.microsoft.com/office/powerpoint/2010/main" val="4078821438"/>
+      </p:ext>
+    </p:extLst>
+  </p:cSld>
+  <p:clrMapOvr>
+    <a:masterClrMapping/>
+  </p:clrMapOvr>
+</p:sld>
+</file>
+
+<file path=ppt/slides/slide13.xml><?xml version="1.0" encoding="utf-8"?>
+<p:sld xmlns:a="http://schemas.openxmlformats.org/drawingml/2006/main" xmlns:r="http://schemas.openxmlformats.org/officeDocument/2006/relationships" xmlns:p="http://schemas.openxmlformats.org/presentationml/2006/main">
+  <p:cSld>
+    <p:spTree>
+      <p:nvGrpSpPr>
+        <p:cNvPr id="1" name=""/>
+        <p:cNvGrpSpPr/>
+        <p:nvPr/>
+      </p:nvGrpSpPr>
+      <p:grpSpPr>
+        <a:xfrm>
+          <a:off x="0" y="0"/>
+          <a:ext cx="0" cy="0"/>
+          <a:chOff x="0" y="0"/>
+          <a:chExt cx="0" cy="0"/>
+        </a:xfrm>
+      </p:grpSpPr>
+      <p:sp>
+        <p:nvSpPr>
+          <p:cNvPr id="2" name="Content Placeholder 1"/>
+          <p:cNvSpPr>
+            <a:spLocks noGrp="1"/>
+          </p:cNvSpPr>
+          <p:nvPr>
+            <p:ph idx="1"/>
+          </p:nvPr>
+        </p:nvSpPr>
+        <p:spPr/>
+        <p:txBody>
+          <a:bodyPr>
+            <a:normAutofit/>
+          </a:bodyPr>
+          <a:lstStyle/>
+          <a:p>
+            <a:r>
+              <a:rPr lang="en-US" sz="1400" dirty="0" smtClean="0"/>
+              <a:t>Many </a:t>
+            </a:r>
+            <a:r>
+              <a:rPr lang="en-US" sz="1400" dirty="0" err="1" smtClean="0"/>
+              <a:t>Cheatsheets</a:t>
+            </a:r>
+            <a:r>
+              <a:rPr lang="en-US" sz="1400" dirty="0"/>
+              <a:t/>
+            </a:r>
+            <a:br>
+              <a:rPr lang="en-US" sz="1400" dirty="0"/>
+            </a:br>
+            <a:r>
+              <a:rPr lang="en-US" sz="1400" dirty="0">
+                <a:hlinkClick r:id="rId2"/>
+              </a:rPr>
+              <a:t>https://www.rstudio.com/resources/cheatsheets</a:t>
+            </a:r>
+            <a:r>
+              <a:rPr lang="en-US" sz="1400" dirty="0" smtClean="0">
+                <a:hlinkClick r:id="rId2"/>
+              </a:rPr>
+              <a:t>/</a:t>
+            </a:r>
+            <a:endParaRPr lang="en-US" sz="1400" dirty="0" smtClean="0"/>
+          </a:p>
+          <a:p>
+            <a:r>
+              <a:rPr lang="en-US" sz="1400" dirty="0" smtClean="0"/>
+              <a:t>More about Shiny (gallery, tutorials, articles, …)</a:t>
+            </a:r>
+            <a:r>
+              <a:rPr lang="en-US" sz="1400" dirty="0"/>
+              <a:t/>
+            </a:r>
+            <a:br>
+              <a:rPr lang="en-US" sz="1400" dirty="0"/>
+            </a:br>
+            <a:r>
+              <a:rPr lang="en-US" sz="1400" dirty="0">
+                <a:hlinkClick r:id="rId3"/>
+              </a:rPr>
+              <a:t>https://shiny.rstudio.com</a:t>
+            </a:r>
+            <a:r>
+              <a:rPr lang="en-US" sz="1400" dirty="0" smtClean="0">
+                <a:hlinkClick r:id="rId3"/>
+              </a:rPr>
+              <a:t>/</a:t>
+            </a:r>
+            <a:endParaRPr lang="en-US" sz="1400" dirty="0" smtClean="0"/>
+          </a:p>
+          <a:p>
+            <a:r>
+              <a:rPr lang="en-US" sz="1400" dirty="0"/>
+              <a:t>R Programming</a:t>
+            </a:r>
+            <a:r>
+              <a:rPr lang="en-US" sz="1400" dirty="0">
+                <a:hlinkClick r:id="rId4"/>
+              </a:rPr>
+              <a:t/>
+            </a:r>
+            <a:br>
+              <a:rPr lang="en-US" sz="1400" dirty="0">
+                <a:hlinkClick r:id="rId4"/>
+              </a:rPr>
+            </a:br>
+            <a:r>
+              <a:rPr lang="en-US" sz="1400" dirty="0">
+                <a:hlinkClick r:id="rId4"/>
+              </a:rPr>
+              <a:t>http://www.cookbook-r.com</a:t>
+            </a:r>
+            <a:r>
+              <a:rPr lang="en-US" sz="1400" dirty="0" smtClean="0">
+                <a:hlinkClick r:id="rId4"/>
+              </a:rPr>
+              <a:t>/</a:t>
+            </a:r>
+            <a:endParaRPr lang="en-US" sz="1400" dirty="0" smtClean="0"/>
+          </a:p>
+          <a:p>
+            <a:r>
+              <a:rPr lang="en-US" sz="1400" dirty="0"/>
+              <a:t>GLM Paper</a:t>
+            </a:r>
+            <a:br>
+              <a:rPr lang="en-US" sz="1400" dirty="0"/>
+            </a:br>
+            <a:r>
+              <a:rPr lang="en-US" sz="1400" dirty="0">
+                <a:hlinkClick r:id="rId5"/>
+              </a:rPr>
+              <a:t>https://www.jstor.org/stable/2344614?seq=1#page_scan_tab_contents</a:t>
+            </a:r>
+            <a:endParaRPr lang="en-US" sz="1400" dirty="0"/>
+          </a:p>
+          <a:p>
+            <a:endParaRPr lang="en-US" sz="1400" dirty="0" smtClean="0"/>
+          </a:p>
+        </p:txBody>
+      </p:sp>
+      <p:sp>
+        <p:nvSpPr>
+          <p:cNvPr id="3" name="Subtitle 2"/>
+          <p:cNvSpPr>
+            <a:spLocks noGrp="1"/>
+          </p:cNvSpPr>
+          <p:nvPr>
+            <p:ph type="subTitle" idx="13"/>
+          </p:nvPr>
+        </p:nvSpPr>
+        <p:spPr/>
+        <p:txBody>
+          <a:bodyPr/>
+          <a:lstStyle/>
+          <a:p>
+            <a:endParaRPr lang="en-US"/>
+          </a:p>
+        </p:txBody>
+      </p:sp>
+      <p:sp>
+        <p:nvSpPr>
+          <p:cNvPr id="4" name="Title 3"/>
+          <p:cNvSpPr>
+            <a:spLocks noGrp="1"/>
+          </p:cNvSpPr>
+          <p:nvPr>
+            <p:ph type="title"/>
+          </p:nvPr>
+        </p:nvSpPr>
+        <p:spPr/>
+        <p:txBody>
+          <a:bodyPr/>
+          <a:lstStyle/>
+          <a:p>
+            <a:r>
+              <a:rPr lang="en-US" dirty="0" smtClean="0"/>
+              <a:t>Materials</a:t>
+            </a:r>
+            <a:endParaRPr lang="en-US" dirty="0"/>
+          </a:p>
+        </p:txBody>
+      </p:sp>
+      <p:sp>
+        <p:nvSpPr>
+          <p:cNvPr id="5" name="Slide Number Placeholder 4"/>
+          <p:cNvSpPr>
+            <a:spLocks noGrp="1"/>
+          </p:cNvSpPr>
+          <p:nvPr>
+            <p:ph type="sldNum" sz="quarter" idx="16"/>
+          </p:nvPr>
+        </p:nvSpPr>
+        <p:spPr/>
+        <p:txBody>
+          <a:bodyPr/>
+          <a:lstStyle/>
+          <a:p>
+            <a:fld id="{571735E4-FE38-47BE-9144-11FEE72F6DC9}" type="slidenum">
+              <a:rPr lang="en-US" smtClean="0"/>
+              <a:pPr/>
+              <a:t>13</a:t>
             </a:fld>
             <a:endParaRPr lang="en-US" dirty="0"/>
           </a:p>
@@ -6123,7 +6510,7 @@
 </p:sld>
 </file>
 
-<file path=ppt/slides/slide12.xml><?xml version="1.0" encoding="utf-8"?>
+<file path=ppt/slides/slide14.xml><?xml version="1.0" encoding="utf-8"?>
 <p:sld xmlns:a="http://schemas.openxmlformats.org/drawingml/2006/main" xmlns:r="http://schemas.openxmlformats.org/officeDocument/2006/relationships" xmlns:p="http://schemas.openxmlformats.org/presentationml/2006/main">
   <p:cSld>
     <p:spTree>
@@ -6158,7 +6545,7 @@
             <a:fld id="{571735E4-FE38-47BE-9144-11FEE72F6DC9}" type="slidenum">
               <a:rPr lang="en-US" smtClean="0"/>
               <a:pPr/>
-              <a:t>12</a:t>
+              <a:t>14</a:t>
             </a:fld>
             <a:endParaRPr lang="en-US" dirty="0"/>
           </a:p>
@@ -6370,15 +6757,7 @@
           <a:p>
             <a:r>
               <a:rPr lang="en-US" sz="1600" dirty="0" smtClean="0"/>
-              <a:t>Company Titanic s</a:t>
-            </a:r>
-            <a:r>
-              <a:rPr lang="en-US" sz="1600" dirty="0" smtClean="0"/>
-              <a:t>. r. o</a:t>
-            </a:r>
-            <a:r>
-              <a:rPr lang="en-US" sz="1600" dirty="0" smtClean="0"/>
-              <a:t>.</a:t>
+              <a:t>Company Titanic s. r. o.</a:t>
             </a:r>
             <a:endParaRPr lang="en-US" sz="1600" dirty="0"/>
           </a:p>
@@ -6463,11 +6842,7 @@
             <a:pPr algn="l"/>
             <a:r>
               <a:rPr lang="en-US" sz="1400" dirty="0" smtClean="0"/>
-              <a:t>Underwriting </a:t>
-            </a:r>
-            <a:r>
-              <a:rPr lang="en-US" sz="1400" dirty="0" smtClean="0"/>
-              <a:t>department asked you about to </a:t>
+              <a:t>Underwriting department asked you about to </a:t>
             </a:r>
             <a:r>
               <a:rPr lang="en-US" sz="1400" b="1" i="1" dirty="0" smtClean="0"/>
@@ -6475,11 +6850,7 @@
             </a:r>
             <a:r>
               <a:rPr lang="en-US" sz="1400" dirty="0" smtClean="0"/>
-              <a:t>line of business</a:t>
-            </a:r>
-            <a:r>
-              <a:rPr lang="en-US" sz="1400" dirty="0" smtClean="0"/>
-              <a:t>.</a:t>
+              <a:t>line of business.</a:t>
             </a:r>
           </a:p>
           <a:p>
@@ -6891,7 +7262,6 @@
               <a:rPr lang="en-US" sz="1200" dirty="0"/>
               <a:t>in case of accident.</a:t>
             </a:r>
-            <a:endParaRPr lang="en-US" sz="1200" dirty="0"/>
           </a:p>
         </p:txBody>
       </p:sp>
@@ -7786,11 +8156,7 @@
               </a:r>
               <a:r>
                 <a:rPr lang="en-US" sz="1200" dirty="0" smtClean="0"/>
-                <a:t>Box</a:t>
-              </a:r>
-              <a:r>
-                <a:rPr lang="en-US" sz="1200" dirty="0" smtClean="0"/>
-                <a:t>:</a:t>
+                <a:t>Box:</a:t>
               </a:r>
             </a:p>
             <a:p>
@@ -7814,7 +8180,6 @@
                 <a:rPr lang="en-US" sz="1600" dirty="0" smtClean="0"/>
                 <a:t>”</a:t>
               </a:r>
-              <a:endParaRPr lang="en-US" sz="1600" dirty="0" smtClean="0"/>
             </a:p>
           </p:txBody>
         </p:sp>
@@ -7985,7 +8350,6 @@
               <a:rPr lang="en-US" sz="1600" i="1" dirty="0" smtClean="0"/>
               <a:t>So, Why GLM?</a:t>
             </a:r>
-            <a:endParaRPr lang="en-US" sz="1600" i="1" dirty="0" smtClean="0"/>
           </a:p>
         </p:txBody>
       </p:sp>
@@ -8089,7 +8453,6 @@
               <a:rPr lang="en-US" sz="1600" i="1" dirty="0" smtClean="0"/>
               <a:t>.</a:t>
             </a:r>
-            <a:endParaRPr lang="en-US" sz="1600" i="1" dirty="0" smtClean="0"/>
           </a:p>
         </p:txBody>
       </p:sp>
@@ -8120,7 +8483,6 @@
               <a:rPr lang="en-US" sz="900" i="1" dirty="0" smtClean="0"/>
               <a:t>*if assumptions of GLM are satisfied</a:t>
             </a:r>
-            <a:endParaRPr lang="en-US" sz="900" i="1" dirty="0" smtClean="0"/>
           </a:p>
         </p:txBody>
       </p:sp>
@@ -8641,7 +9003,6 @@
               <a:rPr lang="en-US" sz="1400" dirty="0" smtClean="0"/>
               <a:t>9891 passengers</a:t>
             </a:r>
-            <a:endParaRPr lang="en-US" sz="1400" dirty="0" smtClean="0"/>
           </a:p>
         </p:txBody>
       </p:sp>
@@ -8672,7 +9033,6 @@
               <a:rPr lang="en-US" sz="1400" dirty="0" smtClean="0"/>
               <a:t>Having (0) / Not having (1) Claim </a:t>
             </a:r>
-            <a:endParaRPr lang="en-US" sz="1400" dirty="0" smtClean="0"/>
           </a:p>
         </p:txBody>
       </p:sp>
@@ -8702,7 +9062,6 @@
               <a:rPr lang="en-US" sz="1200" i="1" dirty="0" smtClean="0"/>
               <a:t>Binomial Distribution </a:t>
             </a:r>
-            <a:endParaRPr lang="en-US" sz="1200" i="1" dirty="0" smtClean="0"/>
           </a:p>
         </p:txBody>
       </p:sp>
@@ -9017,7 +9376,6 @@
                 <a:rPr lang="en-US" sz="1200" i="1" dirty="0" smtClean="0"/>
                 <a:t>Def.:</a:t>
               </a:r>
-              <a:endParaRPr lang="en-US" sz="1200" i="1" dirty="0" smtClean="0"/>
             </a:p>
           </p:txBody>
         </p:sp>
@@ -9048,7 +9406,6 @@
                 <a:rPr lang="en-US" sz="1200" i="1" dirty="0" smtClean="0"/>
                 <a:t>Link Function:</a:t>
               </a:r>
-              <a:endParaRPr lang="en-US" sz="1200" i="1" dirty="0" smtClean="0"/>
             </a:p>
           </p:txBody>
         </p:sp>
@@ -9079,7 +9436,6 @@
                 <a:rPr lang="en-US" sz="1200" i="1" dirty="0" smtClean="0"/>
                 <a:t>Mean Function:</a:t>
               </a:r>
-              <a:endParaRPr lang="en-US" sz="1200" i="1" dirty="0" smtClean="0"/>
             </a:p>
           </p:txBody>
         </p:sp>
@@ -9150,7 +9506,6 @@
                 <a:rPr lang="en-US" sz="1200" i="1" dirty="0" smtClean="0"/>
                 <a:t>in Regression</a:t>
               </a:r>
-              <a:endParaRPr lang="en-US" sz="1200" i="1" dirty="0" smtClean="0"/>
             </a:p>
           </p:txBody>
         </p:sp>
@@ -9255,21 +9610,16 @@
             <a:pPr algn="l"/>
             <a:r>
               <a:rPr lang="en-US" sz="1400" dirty="0" smtClean="0"/>
-              <a:t>Features: </a:t>
+              <a:t>Features: Sex, </a:t>
             </a:r>
             <a:r>
               <a:rPr lang="en-US" sz="1400" dirty="0" smtClean="0"/>
-              <a:t>Sex, </a:t>
+              <a:t>Age, </a:t>
             </a:r>
             <a:r>
               <a:rPr lang="en-US" sz="1400" dirty="0" smtClean="0"/>
-              <a:t>Fare</a:t>
-            </a:r>
-            <a:r>
-              <a:rPr lang="en-US" sz="1400" dirty="0" smtClean="0"/>
-              <a:t>, …</a:t>
-            </a:r>
-            <a:endParaRPr lang="en-US" sz="1400" dirty="0" smtClean="0"/>
+              <a:t>…</a:t>
+            </a:r>
           </a:p>
         </p:txBody>
       </p:sp>
@@ -9916,7 +10266,6 @@
               <a:rPr lang="en-US" sz="1600" dirty="0" smtClean="0"/>
               <a:t>We will use rule of 70:20:10</a:t>
             </a:r>
-            <a:endParaRPr lang="en-US" sz="1600" dirty="0" smtClean="0"/>
           </a:p>
         </p:txBody>
       </p:sp>
@@ -10136,8 +10485,23 @@
                 <a:rPr lang="en-US" sz="1200" dirty="0">
                   <a:latin typeface="Avenir Next Cyr W04 Italic" panose="020B0503020202090204" pitchFamily="34" charset="0"/>
                 </a:rPr>
-                <a:t>                   formula = survived ~ sex + fare,</a:t>
+                <a:t>                   formula = survived ~ sex + </a:t>
               </a:r>
+              <a:r>
+                <a:rPr lang="en-US" sz="1200" dirty="0" smtClean="0">
+                  <a:latin typeface="Avenir Next Cyr W04 Italic" panose="020B0503020202090204" pitchFamily="34" charset="0"/>
+                </a:rPr>
+                <a:t>age</a:t>
+              </a:r>
+              <a:r>
+                <a:rPr lang="en-US" sz="1200" dirty="0" smtClean="0">
+                  <a:latin typeface="Avenir Next Cyr W04 Italic" panose="020B0503020202090204" pitchFamily="34" charset="0"/>
+                </a:rPr>
+                <a:t>,</a:t>
+              </a:r>
+              <a:endParaRPr lang="en-US" sz="1200" dirty="0">
+                <a:latin typeface="Avenir Next Cyr W04 Italic" panose="020B0503020202090204" pitchFamily="34" charset="0"/>
+              </a:endParaRPr>
             </a:p>
             <a:p>
               <a:r>
@@ -10271,7 +10635,6 @@
               <a:rPr lang="en-US" sz="1200" dirty="0"/>
               <a:t>in case of accident.</a:t>
             </a:r>
-            <a:endParaRPr lang="en-US" sz="1200" dirty="0"/>
           </a:p>
         </p:txBody>
       </p:sp>
@@ -10363,7 +10726,6 @@
               <a:rPr lang="en-US" sz="1600" dirty="0" smtClean="0"/>
               <a:t>Improve Current Model</a:t>
             </a:r>
-            <a:endParaRPr lang="en-US" sz="1600" dirty="0" smtClean="0"/>
           </a:p>
         </p:txBody>
       </p:sp>
@@ -10557,7 +10919,6 @@
                   <a:rPr lang="en-US" sz="1600" dirty="0" smtClean="0"/>
                   <a:t>How?</a:t>
                 </a:r>
-                <a:endParaRPr lang="en-US" sz="1600" dirty="0" smtClean="0"/>
               </a:p>
             </p:txBody>
           </p:sp>
@@ -10599,26 +10960,23 @@
                 </a:pPr>
                 <a:r>
                   <a:rPr lang="en-US" sz="1400" dirty="0" smtClean="0"/>
-                  <a:t>Grouping</a:t>
-                </a:r>
-                <a:r>
-                  <a:rPr lang="en-US" sz="1400" dirty="0"/>
-                  <a:t> </a:t>
-                </a:r>
-                <a:r>
-                  <a:rPr lang="en-US" sz="1400" dirty="0" smtClean="0"/>
-                  <a:t>Continuous Feature</a:t>
+                  <a:t>Capping</a:t>
                 </a:r>
               </a:p>
               <a:p>
-                <a:pPr marL="342900" indent="-342900" algn="l">
+                <a:pPr marL="342900" indent="-342900">
                   <a:buFont typeface="Arial" panose="020B0604020202020204" pitchFamily="34" charset="0"/>
                   <a:buChar char="•"/>
                 </a:pPr>
                 <a:r>
+                  <a:rPr lang="en-US" sz="1400" dirty="0"/>
+                  <a:t>Grouping Continuous </a:t>
+                </a:r>
+                <a:r>
                   <a:rPr lang="en-US" sz="1400" dirty="0" smtClean="0"/>
-                  <a:t>Capping</a:t>
+                  <a:t>Feature</a:t>
                 </a:r>
+                <a:endParaRPr lang="en-US" sz="1400" dirty="0" smtClean="0"/>
               </a:p>
               <a:p>
                 <a:pPr marL="342900" indent="-342900" algn="l">
@@ -11139,7 +11497,6 @@
               <a:rPr lang="en-US" sz="1200" dirty="0"/>
               <a:t>in case of accident.</a:t>
             </a:r>
-            <a:endParaRPr lang="en-US" sz="1200" dirty="0"/>
           </a:p>
         </p:txBody>
       </p:sp>
@@ -11333,7 +11690,6 @@
                   <a:rPr lang="en-US" sz="1600" dirty="0" smtClean="0"/>
                   <a:t>How?</a:t>
                 </a:r>
-                <a:endParaRPr lang="en-US" sz="1600" dirty="0" smtClean="0"/>
               </a:p>
             </p:txBody>
           </p:sp>
@@ -11375,26 +11731,23 @@
                 </a:pPr>
                 <a:r>
                   <a:rPr lang="en-US" sz="1400" dirty="0" smtClean="0"/>
-                  <a:t>Grouping</a:t>
-                </a:r>
-                <a:r>
-                  <a:rPr lang="en-US" sz="1400" dirty="0"/>
-                  <a:t> </a:t>
-                </a:r>
-                <a:r>
-                  <a:rPr lang="en-US" sz="1400" dirty="0" smtClean="0"/>
-                  <a:t>Continuous Feature</a:t>
+                  <a:t>Capping</a:t>
                 </a:r>
               </a:p>
               <a:p>
-                <a:pPr marL="342900" indent="-342900" algn="l">
+                <a:pPr marL="342900" indent="-342900">
                   <a:buFont typeface="Arial" panose="020B0604020202020204" pitchFamily="34" charset="0"/>
                   <a:buChar char="•"/>
                 </a:pPr>
                 <a:r>
+                  <a:rPr lang="en-US" sz="1400" dirty="0"/>
+                  <a:t>Grouping Continuous </a:t>
+                </a:r>
+                <a:r>
                   <a:rPr lang="en-US" sz="1400" dirty="0" smtClean="0"/>
-                  <a:t>Capping</a:t>
+                  <a:t>Feature</a:t>
                 </a:r>
+                <a:endParaRPr lang="en-US" sz="1400" dirty="0" smtClean="0"/>
               </a:p>
               <a:p>
                 <a:pPr marL="342900" indent="-342900" algn="l">
@@ -11889,7 +12242,7 @@
           <a:graphicData uri="http://schemas.openxmlformats.org/presentationml/2006/ole">
             <mc:AlternateContent xmlns:mc="http://schemas.openxmlformats.org/markup-compatibility/2006">
               <mc:Choice xmlns:v="urn:schemas-microsoft-com:vml" Requires="v">
-                <p:oleObj spid="_x0000_s5128" name="Acrobat Document" r:id="rId3" imgW="10477298" imgH="8096028" progId="AcroExch.Document.2015">
+                <p:oleObj spid="_x0000_s5130" name="Acrobat Document" r:id="rId3" imgW="10477298" imgH="8096028" progId="AcroExch.Document.2015">
                   <p:embed/>
                 </p:oleObj>
               </mc:Choice>
